--- a/doc/task09/Task9.pptx
+++ b/doc/task09/Task9.pptx
@@ -10,8 +10,8 @@
   <p:sldIdLst>
     <p:sldId id="270" r:id="rId2"/>
     <p:sldId id="271" r:id="rId3"/>
-    <p:sldId id="272" r:id="rId4"/>
-    <p:sldId id="274" r:id="rId5"/>
+    <p:sldId id="274" r:id="rId4"/>
+    <p:sldId id="272" r:id="rId5"/>
     <p:sldId id="277" r:id="rId6"/>
     <p:sldId id="273" r:id="rId7"/>
     <p:sldId id="269" r:id="rId8"/>
@@ -3389,19 +3389,7 @@
           <a:p>
             <a:r>
               <a:rPr lang="de-CH" sz="3200" dirty="0" smtClean="0"/>
-              <a:t>Task </a:t>
-            </a:r>
-            <a:r>
-              <a:rPr lang="de-CH" sz="3200" dirty="0" smtClean="0"/>
-              <a:t>9 </a:t>
-            </a:r>
-            <a:r>
-              <a:rPr lang="de-CH" sz="3200" dirty="0" smtClean="0"/>
-              <a:t>– </a:t>
-            </a:r>
-            <a:r>
-              <a:rPr lang="de-CH" sz="3200" dirty="0" smtClean="0"/>
-              <a:t>Software </a:t>
+              <a:t>Task 9 – Software </a:t>
             </a:r>
             <a:r>
               <a:rPr lang="de-CH" sz="3200" dirty="0" err="1" smtClean="0"/>
@@ -3527,26 +3515,18 @@
               <a:buAutoNum type="arabicPeriod"/>
             </a:pPr>
             <a:r>
+              <a:rPr lang="de-CH" dirty="0" smtClean="0"/>
+              <a:t>High </a:t>
+            </a:r>
+            <a:r>
+              <a:rPr lang="de-CH" dirty="0" smtClean="0"/>
+              <a:t>Level Software </a:t>
+            </a:r>
+            <a:r>
               <a:rPr lang="de-CH" dirty="0" err="1" smtClean="0"/>
-              <a:t>Modified</a:t>
-            </a:r>
-            <a:r>
-              <a:rPr lang="de-CH" dirty="0" smtClean="0"/>
-              <a:t> UML </a:t>
-            </a:r>
-            <a:r>
-              <a:rPr lang="de-CH" dirty="0"/>
-              <a:t>C</a:t>
-            </a:r>
-            <a:r>
-              <a:rPr lang="de-CH" dirty="0" smtClean="0"/>
-              <a:t>lass </a:t>
-            </a:r>
-            <a:r>
-              <a:rPr lang="de-CH" dirty="0" err="1" smtClean="0"/>
-              <a:t>diagram</a:t>
-            </a:r>
-            <a:endParaRPr lang="de-CH" dirty="0" smtClean="0"/>
+              <a:t>Architecture</a:t>
+            </a:r>
+            <a:endParaRPr lang="de-CH" dirty="0"/>
           </a:p>
           <a:p>
             <a:pPr marL="514350" indent="-514350">
@@ -3554,12 +3534,16 @@
               <a:buAutoNum type="arabicPeriod"/>
             </a:pPr>
             <a:r>
-              <a:rPr lang="de-CH" dirty="0" smtClean="0"/>
-              <a:t>High Level Software </a:t>
-            </a:r>
-            <a:r>
-              <a:rPr lang="de-CH" dirty="0" err="1" smtClean="0"/>
-              <a:t>Architecture</a:t>
+              <a:rPr lang="de-CH" dirty="0" err="1"/>
+              <a:t>Modified</a:t>
+            </a:r>
+            <a:r>
+              <a:rPr lang="de-CH" dirty="0"/>
+              <a:t> UML Class </a:t>
+            </a:r>
+            <a:r>
+              <a:rPr lang="de-CH" dirty="0" err="1"/>
+              <a:t>diagram</a:t>
             </a:r>
             <a:endParaRPr lang="de-CH" dirty="0" smtClean="0"/>
           </a:p>
@@ -3572,7 +3556,6 @@
               <a:rPr lang="de-CH" dirty="0" smtClean="0"/>
               <a:t>MVC Pattern</a:t>
             </a:r>
-            <a:endParaRPr lang="de-CH" dirty="0" smtClean="0"/>
           </a:p>
           <a:p>
             <a:pPr marL="514350" indent="-514350">
@@ -3584,7 +3567,7 @@
               <a:t>Software </a:t>
             </a:r>
             <a:r>
-              <a:rPr lang="de-CH" smtClean="0"/>
+              <a:rPr lang="de-CH" dirty="0" err="1" smtClean="0"/>
               <a:t>Architecture</a:t>
             </a:r>
             <a:endParaRPr lang="de-CH" dirty="0" smtClean="0"/>
@@ -3644,12 +3627,20 @@
           <a:lstStyle/>
           <a:p>
             <a:r>
+              <a:rPr lang="de-CH" b="1" dirty="0">
+                <a:solidFill>
+                  <a:srgbClr val="00B050"/>
+                </a:solidFill>
+              </a:rPr>
+              <a:t>1</a:t>
+            </a:r>
+            <a:r>
               <a:rPr lang="de-CH" b="1" dirty="0" smtClean="0">
                 <a:solidFill>
                   <a:srgbClr val="00B050"/>
                 </a:solidFill>
               </a:rPr>
-              <a:t>1. </a:t>
+              <a:t>. </a:t>
             </a:r>
             <a:r>
               <a:rPr lang="de-CH" b="1" dirty="0" smtClean="0">
@@ -3657,119 +3648,7 @@
                   <a:srgbClr val="00B050"/>
                 </a:solidFill>
               </a:rPr>
-              <a:t>UML Class </a:t>
-            </a:r>
-            <a:r>
-              <a:rPr lang="de-CH" b="1" dirty="0" err="1" smtClean="0">
-                <a:solidFill>
-                  <a:srgbClr val="00B050"/>
-                </a:solidFill>
-              </a:rPr>
-              <a:t>Diagram</a:t>
-            </a:r>
-            <a:endParaRPr lang="de-CH" b="1" dirty="0">
-              <a:solidFill>
-                <a:srgbClr val="00B050"/>
-              </a:solidFill>
-            </a:endParaRPr>
-          </a:p>
-        </p:txBody>
-      </p:sp>
-      <p:pic>
-        <p:nvPicPr>
-          <p:cNvPr id="5" name="Grafik 4"/>
-          <p:cNvPicPr/>
-          <p:nvPr/>
-        </p:nvPicPr>
-        <p:blipFill>
-          <a:blip r:embed="rId2">
-            <a:extLst>
-              <a:ext uri="{28A0092B-C50C-407E-A947-70E740481C1C}">
-                <a14:useLocalDpi xmlns:a14="http://schemas.microsoft.com/office/drawing/2010/main" val="0"/>
-              </a:ext>
-            </a:extLst>
-          </a:blip>
-          <a:stretch>
-            <a:fillRect/>
-          </a:stretch>
-        </p:blipFill>
-        <p:spPr>
-          <a:xfrm>
-            <a:off x="1542110" y="1313646"/>
-            <a:ext cx="8645080" cy="5544354"/>
-          </a:xfrm>
-          <a:prstGeom prst="rect">
-            <a:avLst/>
-          </a:prstGeom>
-        </p:spPr>
-      </p:pic>
-    </p:spTree>
-    <p:extLst>
-      <p:ext uri="{BB962C8B-B14F-4D97-AF65-F5344CB8AC3E}">
-        <p14:creationId xmlns:p14="http://schemas.microsoft.com/office/powerpoint/2010/main" val="395184079"/>
-      </p:ext>
-    </p:extLst>
-  </p:cSld>
-  <p:clrMapOvr>
-    <a:masterClrMapping/>
-  </p:clrMapOvr>
-  <p:timing>
-    <p:tnLst>
-      <p:par>
-        <p:cTn id="1" dur="indefinite" restart="never" nodeType="tmRoot"/>
-      </p:par>
-    </p:tnLst>
-  </p:timing>
-</p:sld>
-</file>
-
-<file path=ppt/slides/slide4.xml><?xml version="1.0" encoding="utf-8"?>
-<p:sld xmlns:a="http://schemas.openxmlformats.org/drawingml/2006/main" xmlns:r="http://schemas.openxmlformats.org/officeDocument/2006/relationships" xmlns:p="http://schemas.openxmlformats.org/presentationml/2006/main">
-  <p:cSld>
-    <p:spTree>
-      <p:nvGrpSpPr>
-        <p:cNvPr id="1" name=""/>
-        <p:cNvGrpSpPr/>
-        <p:nvPr/>
-      </p:nvGrpSpPr>
-      <p:grpSpPr>
-        <a:xfrm>
-          <a:off x="0" y="0"/>
-          <a:ext cx="0" cy="0"/>
-          <a:chOff x="0" y="0"/>
-          <a:chExt cx="0" cy="0"/>
-        </a:xfrm>
-      </p:grpSpPr>
-      <p:sp>
-        <p:nvSpPr>
-          <p:cNvPr id="2" name="Titel 1"/>
-          <p:cNvSpPr>
-            <a:spLocks noGrp="1"/>
-          </p:cNvSpPr>
-          <p:nvPr>
-            <p:ph type="title"/>
-          </p:nvPr>
-        </p:nvSpPr>
-        <p:spPr/>
-        <p:txBody>
-          <a:bodyPr/>
-          <a:lstStyle/>
-          <a:p>
-            <a:r>
-              <a:rPr lang="de-CH" b="1" dirty="0">
-                <a:solidFill>
-                  <a:srgbClr val="00B050"/>
-                </a:solidFill>
-              </a:rPr>
-              <a:t>2</a:t>
-            </a:r>
-            <a:r>
-              <a:rPr lang="de-CH" b="1" dirty="0" smtClean="0">
-                <a:solidFill>
-                  <a:srgbClr val="00B050"/>
-                </a:solidFill>
-              </a:rPr>
-              <a:t>. High Level Software </a:t>
+              <a:t>High Level Software </a:t>
             </a:r>
             <a:r>
               <a:rPr lang="de-CH" b="1" dirty="0" err="1" smtClean="0">
@@ -4631,6 +4510,126 @@
 </p:sld>
 </file>
 
+<file path=ppt/slides/slide4.xml><?xml version="1.0" encoding="utf-8"?>
+<p:sld xmlns:a="http://schemas.openxmlformats.org/drawingml/2006/main" xmlns:r="http://schemas.openxmlformats.org/officeDocument/2006/relationships" xmlns:p="http://schemas.openxmlformats.org/presentationml/2006/main">
+  <p:cSld>
+    <p:spTree>
+      <p:nvGrpSpPr>
+        <p:cNvPr id="1" name=""/>
+        <p:cNvGrpSpPr/>
+        <p:nvPr/>
+      </p:nvGrpSpPr>
+      <p:grpSpPr>
+        <a:xfrm>
+          <a:off x="0" y="0"/>
+          <a:ext cx="0" cy="0"/>
+          <a:chOff x="0" y="0"/>
+          <a:chExt cx="0" cy="0"/>
+        </a:xfrm>
+      </p:grpSpPr>
+      <p:sp>
+        <p:nvSpPr>
+          <p:cNvPr id="2" name="Titel 1"/>
+          <p:cNvSpPr>
+            <a:spLocks noGrp="1"/>
+          </p:cNvSpPr>
+          <p:nvPr>
+            <p:ph type="title"/>
+          </p:nvPr>
+        </p:nvSpPr>
+        <p:spPr/>
+        <p:txBody>
+          <a:bodyPr/>
+          <a:lstStyle/>
+          <a:p>
+            <a:r>
+              <a:rPr lang="de-CH" b="1" dirty="0">
+                <a:solidFill>
+                  <a:srgbClr val="00B050"/>
+                </a:solidFill>
+              </a:rPr>
+              <a:t>2</a:t>
+            </a:r>
+            <a:r>
+              <a:rPr lang="de-CH" b="1" dirty="0" smtClean="0">
+                <a:solidFill>
+                  <a:srgbClr val="00B050"/>
+                </a:solidFill>
+              </a:rPr>
+              <a:t>. </a:t>
+            </a:r>
+            <a:r>
+              <a:rPr lang="de-CH" b="1" dirty="0" smtClean="0">
+                <a:solidFill>
+                  <a:srgbClr val="00B050"/>
+                </a:solidFill>
+              </a:rPr>
+              <a:t>UML Class </a:t>
+            </a:r>
+            <a:r>
+              <a:rPr lang="de-CH" b="1" dirty="0" err="1" smtClean="0">
+                <a:solidFill>
+                  <a:srgbClr val="00B050"/>
+                </a:solidFill>
+              </a:rPr>
+              <a:t>Diagram</a:t>
+            </a:r>
+            <a:endParaRPr lang="de-CH" b="1" dirty="0">
+              <a:solidFill>
+                <a:srgbClr val="00B050"/>
+              </a:solidFill>
+            </a:endParaRPr>
+          </a:p>
+        </p:txBody>
+      </p:sp>
+      <p:pic>
+        <p:nvPicPr>
+          <p:cNvPr id="5" name="Grafik 4"/>
+          <p:cNvPicPr/>
+          <p:nvPr/>
+        </p:nvPicPr>
+        <p:blipFill>
+          <a:blip r:embed="rId2">
+            <a:extLst>
+              <a:ext uri="{28A0092B-C50C-407E-A947-70E740481C1C}">
+                <a14:useLocalDpi xmlns:a14="http://schemas.microsoft.com/office/drawing/2010/main" val="0"/>
+              </a:ext>
+            </a:extLst>
+          </a:blip>
+          <a:stretch>
+            <a:fillRect/>
+          </a:stretch>
+        </p:blipFill>
+        <p:spPr>
+          <a:xfrm>
+            <a:off x="1542110" y="1313646"/>
+            <a:ext cx="8645080" cy="5544354"/>
+          </a:xfrm>
+          <a:prstGeom prst="rect">
+            <a:avLst/>
+          </a:prstGeom>
+        </p:spPr>
+      </p:pic>
+    </p:spTree>
+    <p:extLst>
+      <p:ext uri="{BB962C8B-B14F-4D97-AF65-F5344CB8AC3E}">
+        <p14:creationId xmlns:p14="http://schemas.microsoft.com/office/powerpoint/2010/main" val="395184079"/>
+      </p:ext>
+    </p:extLst>
+  </p:cSld>
+  <p:clrMapOvr>
+    <a:masterClrMapping/>
+  </p:clrMapOvr>
+  <p:timing>
+    <p:tnLst>
+      <p:par>
+        <p:cTn id="1" dur="indefinite" restart="never" nodeType="tmRoot"/>
+      </p:par>
+    </p:tnLst>
+  </p:timing>
+</p:sld>
+</file>
+
 <file path=ppt/slides/slide5.xml><?xml version="1.0" encoding="utf-8"?>
 <p:sld xmlns:a="http://schemas.openxmlformats.org/drawingml/2006/main" xmlns:r="http://schemas.openxmlformats.org/officeDocument/2006/relationships" xmlns:p="http://schemas.openxmlformats.org/presentationml/2006/main">
   <p:cSld>
@@ -5672,7 +5671,7 @@
                 </a:spcAft>
               </a:pPr>
               <a:r>
-                <a:rPr lang="fr-CH" sz="1200" b="1">
+                <a:rPr lang="fr-CH" sz="1200" b="1" dirty="0">
                   <a:effectLst/>
                   <a:latin typeface="Calibri" panose="020F0502020204030204" pitchFamily="34" charset="0"/>
                   <a:ea typeface="Calibri" panose="020F0502020204030204" pitchFamily="34" charset="0"/>
@@ -5680,7 +5679,7 @@
                 </a:rPr>
                 <a:t>WEBBROWSER</a:t>
               </a:r>
-              <a:endParaRPr lang="de-CH" sz="1100">
+              <a:endParaRPr lang="de-CH" sz="1100" dirty="0">
                 <a:effectLst/>
                 <a:latin typeface="Calibri" panose="020F0502020204030204" pitchFamily="34" charset="0"/>
                 <a:ea typeface="Calibri" panose="020F0502020204030204" pitchFamily="34" charset="0"/>
@@ -5697,15 +5696,42 @@
                 </a:spcAft>
               </a:pPr>
               <a:r>
-                <a:rPr lang="fr-CH" sz="1200" b="1">
+                <a:rPr lang="fr-CH" sz="1200" b="1" dirty="0" err="1">
                   <a:effectLst/>
                   <a:latin typeface="Calibri" panose="020F0502020204030204" pitchFamily="34" charset="0"/>
                   <a:ea typeface="Calibri" panose="020F0502020204030204" pitchFamily="34" charset="0"/>
                   <a:cs typeface="Times New Roman" panose="02020603050405020304" pitchFamily="18" charset="0"/>
                 </a:rPr>
-                <a:t>Vaadin Client Side Engine</a:t>
+                <a:t>Vaadin</a:t>
               </a:r>
-              <a:endParaRPr lang="de-CH" sz="1100">
+              <a:r>
+                <a:rPr lang="fr-CH" sz="1200" b="1" dirty="0">
+                  <a:effectLst/>
+                  <a:latin typeface="Calibri" panose="020F0502020204030204" pitchFamily="34" charset="0"/>
+                  <a:ea typeface="Calibri" panose="020F0502020204030204" pitchFamily="34" charset="0"/>
+                  <a:cs typeface="Times New Roman" panose="02020603050405020304" pitchFamily="18" charset="0"/>
+                </a:rPr>
+                <a:t> Client </a:t>
+              </a:r>
+              <a:r>
+                <a:rPr lang="fr-CH" sz="1200" b="1" dirty="0" err="1">
+                  <a:effectLst/>
+                  <a:latin typeface="Calibri" panose="020F0502020204030204" pitchFamily="34" charset="0"/>
+                  <a:ea typeface="Calibri" panose="020F0502020204030204" pitchFamily="34" charset="0"/>
+                  <a:cs typeface="Times New Roman" panose="02020603050405020304" pitchFamily="18" charset="0"/>
+                </a:rPr>
+                <a:t>Side</a:t>
+              </a:r>
+              <a:r>
+                <a:rPr lang="fr-CH" sz="1200" b="1" dirty="0">
+                  <a:effectLst/>
+                  <a:latin typeface="Calibri" panose="020F0502020204030204" pitchFamily="34" charset="0"/>
+                  <a:ea typeface="Calibri" panose="020F0502020204030204" pitchFamily="34" charset="0"/>
+                  <a:cs typeface="Times New Roman" panose="02020603050405020304" pitchFamily="18" charset="0"/>
+                </a:rPr>
+                <a:t> Engine</a:t>
+              </a:r>
+              <a:endParaRPr lang="de-CH" sz="1100" dirty="0">
                 <a:effectLst/>
                 <a:latin typeface="Calibri" panose="020F0502020204030204" pitchFamily="34" charset="0"/>
                 <a:ea typeface="Calibri" panose="020F0502020204030204" pitchFamily="34" charset="0"/>
@@ -5722,15 +5748,33 @@
                 </a:spcAft>
               </a:pPr>
               <a:r>
-                <a:rPr lang="fr-CH" sz="1200" b="1">
+                <a:rPr lang="fr-CH" sz="1200" b="1" dirty="0">
                   <a:effectLst/>
                   <a:latin typeface="Calibri" panose="020F0502020204030204" pitchFamily="34" charset="0"/>
                   <a:ea typeface="Calibri" panose="020F0502020204030204" pitchFamily="34" charset="0"/>
                   <a:cs typeface="Times New Roman" panose="02020603050405020304" pitchFamily="18" charset="0"/>
                 </a:rPr>
-                <a:t>Client Side UI</a:t>
+                <a:t>Client </a:t>
               </a:r>
-              <a:endParaRPr lang="de-CH" sz="1100">
+              <a:r>
+                <a:rPr lang="fr-CH" sz="1200" b="1" dirty="0" err="1">
+                  <a:effectLst/>
+                  <a:latin typeface="Calibri" panose="020F0502020204030204" pitchFamily="34" charset="0"/>
+                  <a:ea typeface="Calibri" panose="020F0502020204030204" pitchFamily="34" charset="0"/>
+                  <a:cs typeface="Times New Roman" panose="02020603050405020304" pitchFamily="18" charset="0"/>
+                </a:rPr>
+                <a:t>Side</a:t>
+              </a:r>
+              <a:r>
+                <a:rPr lang="fr-CH" sz="1200" b="1" dirty="0">
+                  <a:effectLst/>
+                  <a:latin typeface="Calibri" panose="020F0502020204030204" pitchFamily="34" charset="0"/>
+                  <a:ea typeface="Calibri" panose="020F0502020204030204" pitchFamily="34" charset="0"/>
+                  <a:cs typeface="Times New Roman" panose="02020603050405020304" pitchFamily="18" charset="0"/>
+                </a:rPr>
+                <a:t> UI</a:t>
+              </a:r>
+              <a:endParaRPr lang="de-CH" sz="1100" dirty="0">
                 <a:effectLst/>
                 <a:latin typeface="Calibri" panose="020F0502020204030204" pitchFamily="34" charset="0"/>
                 <a:ea typeface="Calibri" panose="020F0502020204030204" pitchFamily="34" charset="0"/>
@@ -5747,7 +5791,7 @@
                 </a:spcAft>
               </a:pPr>
               <a:r>
-                <a:rPr lang="fr-CH" sz="1200" b="1">
+                <a:rPr lang="fr-CH" sz="1200" b="1" dirty="0">
                   <a:effectLst/>
                   <a:latin typeface="Calibri" panose="020F0502020204030204" pitchFamily="34" charset="0"/>
                   <a:ea typeface="Calibri" panose="020F0502020204030204" pitchFamily="34" charset="0"/>
@@ -5755,7 +5799,7 @@
                 </a:rPr>
                 <a:t> </a:t>
               </a:r>
-              <a:endParaRPr lang="de-CH" sz="1100">
+              <a:endParaRPr lang="de-CH" sz="1100" dirty="0">
                 <a:effectLst/>
                 <a:latin typeface="Calibri" panose="020F0502020204030204" pitchFamily="34" charset="0"/>
                 <a:ea typeface="Calibri" panose="020F0502020204030204" pitchFamily="34" charset="0"/>
@@ -5772,15 +5816,15 @@
                 </a:spcAft>
               </a:pPr>
               <a:r>
-                <a:rPr lang="fr-CH" sz="1200" b="1">
+                <a:rPr lang="fr-CH" sz="1200" b="1" dirty="0" err="1">
                   <a:effectLst/>
                   <a:latin typeface="Calibri" panose="020F0502020204030204" pitchFamily="34" charset="0"/>
                   <a:ea typeface="Calibri" panose="020F0502020204030204" pitchFamily="34" charset="0"/>
                   <a:cs typeface="Times New Roman" panose="02020603050405020304" pitchFamily="18" charset="0"/>
                 </a:rPr>
-                <a:t>HTTPS</a:t>
+                <a:t>Request</a:t>
               </a:r>
-              <a:endParaRPr lang="de-CH" sz="1100">
+              <a:endParaRPr lang="de-CH" sz="1100" dirty="0">
                 <a:effectLst/>
                 <a:latin typeface="Calibri" panose="020F0502020204030204" pitchFamily="34" charset="0"/>
                 <a:ea typeface="Calibri" panose="020F0502020204030204" pitchFamily="34" charset="0"/>
@@ -5797,15 +5841,15 @@
                 </a:spcAft>
               </a:pPr>
               <a:r>
-                <a:rPr lang="fr-CH" sz="1200" b="1">
+                <a:rPr lang="fr-CH" sz="1200" b="1" dirty="0">
                   <a:effectLst/>
                   <a:latin typeface="Calibri" panose="020F0502020204030204" pitchFamily="34" charset="0"/>
                   <a:ea typeface="Calibri" panose="020F0502020204030204" pitchFamily="34" charset="0"/>
                   <a:cs typeface="Times New Roman" panose="02020603050405020304" pitchFamily="18" charset="0"/>
                 </a:rPr>
-                <a:t>Request</a:t>
+                <a:t> </a:t>
               </a:r>
-              <a:endParaRPr lang="de-CH" sz="1100">
+              <a:endParaRPr lang="de-CH" sz="1100" dirty="0">
                 <a:effectLst/>
                 <a:latin typeface="Calibri" panose="020F0502020204030204" pitchFamily="34" charset="0"/>
                 <a:ea typeface="Calibri" panose="020F0502020204030204" pitchFamily="34" charset="0"/>
@@ -5822,7 +5866,7 @@
                 </a:spcAft>
               </a:pPr>
               <a:r>
-                <a:rPr lang="fr-CH" sz="1200" b="1">
+                <a:rPr lang="fr-CH" sz="1200" b="1" dirty="0">
                   <a:effectLst/>
                   <a:latin typeface="Calibri" panose="020F0502020204030204" pitchFamily="34" charset="0"/>
                   <a:ea typeface="Calibri" panose="020F0502020204030204" pitchFamily="34" charset="0"/>
@@ -5830,7 +5874,7 @@
                 </a:rPr>
                 <a:t> </a:t>
               </a:r>
-              <a:endParaRPr lang="de-CH" sz="1100">
+              <a:endParaRPr lang="de-CH" sz="1100" dirty="0">
                 <a:effectLst/>
                 <a:latin typeface="Calibri" panose="020F0502020204030204" pitchFamily="34" charset="0"/>
                 <a:ea typeface="Calibri" panose="020F0502020204030204" pitchFamily="34" charset="0"/>
@@ -5847,7 +5891,7 @@
                 </a:spcAft>
               </a:pPr>
               <a:r>
-                <a:rPr lang="fr-CH" sz="1200" b="1">
+                <a:rPr lang="fr-CH" sz="1200" b="1" dirty="0">
                   <a:effectLst/>
                   <a:latin typeface="Calibri" panose="020F0502020204030204" pitchFamily="34" charset="0"/>
                   <a:ea typeface="Calibri" panose="020F0502020204030204" pitchFamily="34" charset="0"/>
@@ -5855,7 +5899,7 @@
                 </a:rPr>
                 <a:t> </a:t>
               </a:r>
-              <a:endParaRPr lang="de-CH" sz="1100">
+              <a:endParaRPr lang="de-CH" sz="1100" dirty="0">
                 <a:effectLst/>
                 <a:latin typeface="Calibri" panose="020F0502020204030204" pitchFamily="34" charset="0"/>
                 <a:ea typeface="Calibri" panose="020F0502020204030204" pitchFamily="34" charset="0"/>
@@ -5872,7 +5916,7 @@
                 </a:spcAft>
               </a:pPr>
               <a:r>
-                <a:rPr lang="fr-CH" sz="1200" b="1">
+                <a:rPr lang="fr-CH" sz="1200" b="1" dirty="0">
                   <a:effectLst/>
                   <a:latin typeface="Calibri" panose="020F0502020204030204" pitchFamily="34" charset="0"/>
                   <a:ea typeface="Calibri" panose="020F0502020204030204" pitchFamily="34" charset="0"/>
@@ -5880,7 +5924,7 @@
                 </a:rPr>
                 <a:t> </a:t>
               </a:r>
-              <a:endParaRPr lang="de-CH" sz="1100">
+              <a:endParaRPr lang="de-CH" sz="1100" dirty="0">
                 <a:effectLst/>
                 <a:latin typeface="Calibri" panose="020F0502020204030204" pitchFamily="34" charset="0"/>
                 <a:ea typeface="Calibri" panose="020F0502020204030204" pitchFamily="34" charset="0"/>
@@ -5897,7 +5941,7 @@
                 </a:spcAft>
               </a:pPr>
               <a:r>
-                <a:rPr lang="fr-CH" sz="1200" b="1">
+                <a:rPr lang="fr-CH" sz="1200" b="1" dirty="0">
                   <a:effectLst/>
                   <a:latin typeface="Calibri" panose="020F0502020204030204" pitchFamily="34" charset="0"/>
                   <a:ea typeface="Calibri" panose="020F0502020204030204" pitchFamily="34" charset="0"/>
@@ -5905,7 +5949,7 @@
                 </a:rPr>
                 <a:t> </a:t>
               </a:r>
-              <a:endParaRPr lang="de-CH" sz="1100">
+              <a:endParaRPr lang="de-CH" sz="1100" dirty="0">
                 <a:effectLst/>
                 <a:latin typeface="Calibri" panose="020F0502020204030204" pitchFamily="34" charset="0"/>
                 <a:ea typeface="Calibri" panose="020F0502020204030204" pitchFamily="34" charset="0"/>
@@ -5922,7 +5966,7 @@
                 </a:spcAft>
               </a:pPr>
               <a:r>
-                <a:rPr lang="fr-CH" sz="1200" b="1">
+                <a:rPr lang="fr-CH" sz="1200" b="1" dirty="0">
                   <a:effectLst/>
                   <a:latin typeface="Calibri" panose="020F0502020204030204" pitchFamily="34" charset="0"/>
                   <a:ea typeface="Calibri" panose="020F0502020204030204" pitchFamily="34" charset="0"/>
@@ -5930,7 +5974,7 @@
                 </a:rPr>
                 <a:t> </a:t>
               </a:r>
-              <a:endParaRPr lang="de-CH" sz="1100">
+              <a:endParaRPr lang="de-CH" sz="1100" dirty="0">
                 <a:effectLst/>
                 <a:latin typeface="Calibri" panose="020F0502020204030204" pitchFamily="34" charset="0"/>
                 <a:ea typeface="Calibri" panose="020F0502020204030204" pitchFamily="34" charset="0"/>
@@ -5947,7 +5991,7 @@
                 </a:spcAft>
               </a:pPr>
               <a:r>
-                <a:rPr lang="fr-CH" sz="1200" b="1">
+                <a:rPr lang="fr-CH" sz="1200" b="1" dirty="0">
                   <a:effectLst/>
                   <a:latin typeface="Calibri" panose="020F0502020204030204" pitchFamily="34" charset="0"/>
                   <a:ea typeface="Calibri" panose="020F0502020204030204" pitchFamily="34" charset="0"/>
@@ -5955,7 +5999,7 @@
                 </a:rPr>
                 <a:t> </a:t>
               </a:r>
-              <a:endParaRPr lang="de-CH" sz="1100">
+              <a:endParaRPr lang="de-CH" sz="1100" dirty="0">
                 <a:effectLst/>
                 <a:latin typeface="Calibri" panose="020F0502020204030204" pitchFamily="34" charset="0"/>
                 <a:ea typeface="Calibri" panose="020F0502020204030204" pitchFamily="34" charset="0"/>
@@ -5972,7 +6016,7 @@
                 </a:spcAft>
               </a:pPr>
               <a:r>
-                <a:rPr lang="fr-CH" sz="1200" b="1">
+                <a:rPr lang="fr-CH" sz="1200" b="1" dirty="0">
                   <a:effectLst/>
                   <a:latin typeface="Calibri" panose="020F0502020204030204" pitchFamily="34" charset="0"/>
                   <a:ea typeface="Calibri" panose="020F0502020204030204" pitchFamily="34" charset="0"/>
@@ -5980,7 +6024,7 @@
                 </a:rPr>
                 <a:t> </a:t>
               </a:r>
-              <a:endParaRPr lang="de-CH" sz="1100">
+              <a:endParaRPr lang="de-CH" sz="1100" dirty="0">
                 <a:effectLst/>
                 <a:latin typeface="Calibri" panose="020F0502020204030204" pitchFamily="34" charset="0"/>
                 <a:ea typeface="Calibri" panose="020F0502020204030204" pitchFamily="34" charset="0"/>
@@ -5997,7 +6041,7 @@
                 </a:spcAft>
               </a:pPr>
               <a:r>
-                <a:rPr lang="fr-CH" sz="1200" b="1">
+                <a:rPr lang="fr-CH" sz="1200" b="1" dirty="0">
                   <a:effectLst/>
                   <a:latin typeface="Calibri" panose="020F0502020204030204" pitchFamily="34" charset="0"/>
                   <a:ea typeface="Calibri" panose="020F0502020204030204" pitchFamily="34" charset="0"/>
@@ -6005,7 +6049,23 @@
                 </a:rPr>
                 <a:t> </a:t>
               </a:r>
-              <a:endParaRPr lang="de-CH" sz="1100">
+              <a:endParaRPr lang="de-CH" sz="1100" dirty="0">
+                <a:effectLst/>
+                <a:latin typeface="Calibri" panose="020F0502020204030204" pitchFamily="34" charset="0"/>
+                <a:ea typeface="Calibri" panose="020F0502020204030204" pitchFamily="34" charset="0"/>
+                <a:cs typeface="Times New Roman" panose="02020603050405020304" pitchFamily="18" charset="0"/>
+              </a:endParaRPr>
+            </a:p>
+            <a:p>
+              <a:pPr indent="449580">
+                <a:lnSpc>
+                  <a:spcPct val="107000"/>
+                </a:lnSpc>
+                <a:spcAft>
+                  <a:spcPts val="800"/>
+                </a:spcAft>
+              </a:pPr>
+              <a:endParaRPr lang="fr-CH" sz="1200" b="1" dirty="0" smtClean="0">
                 <a:effectLst/>
                 <a:latin typeface="Calibri" panose="020F0502020204030204" pitchFamily="34" charset="0"/>
                 <a:ea typeface="Calibri" panose="020F0502020204030204" pitchFamily="34" charset="0"/>
@@ -6022,7 +6082,7 @@
                 </a:spcAft>
               </a:pPr>
               <a:r>
-                <a:rPr lang="fr-CH" sz="1200" b="1">
+                <a:rPr lang="fr-CH" sz="1200" b="1" dirty="0">
                   <a:effectLst/>
                   <a:latin typeface="Calibri" panose="020F0502020204030204" pitchFamily="34" charset="0"/>
                   <a:ea typeface="Calibri" panose="020F0502020204030204" pitchFamily="34" charset="0"/>
@@ -6030,7 +6090,7 @@
                 </a:rPr>
                 <a:t> </a:t>
               </a:r>
-              <a:endParaRPr lang="de-CH" sz="1100">
+              <a:endParaRPr lang="de-CH" sz="1100" dirty="0">
                 <a:effectLst/>
                 <a:latin typeface="Calibri" panose="020F0502020204030204" pitchFamily="34" charset="0"/>
                 <a:ea typeface="Calibri" panose="020F0502020204030204" pitchFamily="34" charset="0"/>
@@ -6047,57 +6107,7 @@
                 </a:spcAft>
               </a:pPr>
               <a:r>
-                <a:rPr lang="fr-CH" sz="1200" b="1">
-                  <a:effectLst/>
-                  <a:latin typeface="Calibri" panose="020F0502020204030204" pitchFamily="34" charset="0"/>
-                  <a:ea typeface="Calibri" panose="020F0502020204030204" pitchFamily="34" charset="0"/>
-                  <a:cs typeface="Times New Roman" panose="02020603050405020304" pitchFamily="18" charset="0"/>
-                </a:rPr>
-                <a:t> </a:t>
-              </a:r>
-              <a:endParaRPr lang="de-CH" sz="1100">
-                <a:effectLst/>
-                <a:latin typeface="Calibri" panose="020F0502020204030204" pitchFamily="34" charset="0"/>
-                <a:ea typeface="Calibri" panose="020F0502020204030204" pitchFamily="34" charset="0"/>
-                <a:cs typeface="Times New Roman" panose="02020603050405020304" pitchFamily="18" charset="0"/>
-              </a:endParaRPr>
-            </a:p>
-            <a:p>
-              <a:pPr indent="449580">
-                <a:lnSpc>
-                  <a:spcPct val="107000"/>
-                </a:lnSpc>
-                <a:spcAft>
-                  <a:spcPts val="800"/>
-                </a:spcAft>
-              </a:pPr>
-              <a:r>
-                <a:rPr lang="fr-CH" sz="1200" b="1">
-                  <a:effectLst/>
-                  <a:latin typeface="Calibri" panose="020F0502020204030204" pitchFamily="34" charset="0"/>
-                  <a:ea typeface="Calibri" panose="020F0502020204030204" pitchFamily="34" charset="0"/>
-                  <a:cs typeface="Times New Roman" panose="02020603050405020304" pitchFamily="18" charset="0"/>
-                </a:rPr>
-                <a:t>HTTPS</a:t>
-              </a:r>
-              <a:endParaRPr lang="de-CH" sz="1100">
-                <a:effectLst/>
-                <a:latin typeface="Calibri" panose="020F0502020204030204" pitchFamily="34" charset="0"/>
-                <a:ea typeface="Calibri" panose="020F0502020204030204" pitchFamily="34" charset="0"/>
-                <a:cs typeface="Times New Roman" panose="02020603050405020304" pitchFamily="18" charset="0"/>
-              </a:endParaRPr>
-            </a:p>
-            <a:p>
-              <a:pPr indent="449580">
-                <a:lnSpc>
-                  <a:spcPct val="107000"/>
-                </a:lnSpc>
-                <a:spcAft>
-                  <a:spcPts val="800"/>
-                </a:spcAft>
-              </a:pPr>
-              <a:r>
-                <a:rPr lang="fr-CH" sz="1200" b="1">
+                <a:rPr lang="fr-CH" sz="1200" b="1" dirty="0" err="1">
                   <a:effectLst/>
                   <a:latin typeface="Calibri" panose="020F0502020204030204" pitchFamily="34" charset="0"/>
                   <a:ea typeface="Calibri" panose="020F0502020204030204" pitchFamily="34" charset="0"/>
@@ -6105,7 +6115,7 @@
                 </a:rPr>
                 <a:t>Response</a:t>
               </a:r>
-              <a:endParaRPr lang="de-CH" sz="1100">
+              <a:endParaRPr lang="de-CH" sz="1100" dirty="0">
                 <a:effectLst/>
                 <a:latin typeface="Calibri" panose="020F0502020204030204" pitchFamily="34" charset="0"/>
                 <a:ea typeface="Calibri" panose="020F0502020204030204" pitchFamily="34" charset="0"/>
@@ -6160,7 +6170,7 @@
                 </a:spcAft>
               </a:pPr>
               <a:r>
-                <a:rPr lang="de-CH" sz="1200" b="1">
+                <a:rPr lang="de-CH" sz="1200" b="1" dirty="0">
                   <a:effectLst/>
                   <a:latin typeface="Calibri" panose="020F0502020204030204" pitchFamily="34" charset="0"/>
                   <a:ea typeface="Calibri" panose="020F0502020204030204" pitchFamily="34" charset="0"/>
@@ -6168,7 +6178,7 @@
                 </a:rPr>
                 <a:t>CONTROLLER</a:t>
               </a:r>
-              <a:endParaRPr lang="de-CH" sz="1100">
+              <a:endParaRPr lang="de-CH" sz="1100" dirty="0">
                 <a:effectLst/>
                 <a:latin typeface="Calibri" panose="020F0502020204030204" pitchFamily="34" charset="0"/>
                 <a:ea typeface="Calibri" panose="020F0502020204030204" pitchFamily="34" charset="0"/>
@@ -6185,7 +6195,7 @@
                 </a:spcAft>
               </a:pPr>
               <a:r>
-                <a:rPr lang="de-CH" sz="1200" b="1">
+                <a:rPr lang="de-CH" sz="1200" b="1" dirty="0">
                   <a:effectLst/>
                   <a:latin typeface="Calibri" panose="020F0502020204030204" pitchFamily="34" charset="0"/>
                   <a:ea typeface="Calibri" panose="020F0502020204030204" pitchFamily="34" charset="0"/>
@@ -6193,7 +6203,7 @@
                 </a:rPr>
                 <a:t> </a:t>
               </a:r>
-              <a:endParaRPr lang="de-CH" sz="1100">
+              <a:endParaRPr lang="de-CH" sz="1100" dirty="0">
                 <a:effectLst/>
                 <a:latin typeface="Calibri" panose="020F0502020204030204" pitchFamily="34" charset="0"/>
                 <a:ea typeface="Calibri" panose="020F0502020204030204" pitchFamily="34" charset="0"/>
@@ -6210,7 +6220,7 @@
                 </a:spcAft>
               </a:pPr>
               <a:r>
-                <a:rPr lang="de-CH" sz="1200" b="1">
+                <a:rPr lang="de-CH" sz="1200" b="1" dirty="0">
                   <a:effectLst/>
                   <a:latin typeface="Calibri" panose="020F0502020204030204" pitchFamily="34" charset="0"/>
                   <a:ea typeface="Calibri" panose="020F0502020204030204" pitchFamily="34" charset="0"/>
@@ -6218,7 +6228,7 @@
                 </a:rPr>
                 <a:t> </a:t>
               </a:r>
-              <a:endParaRPr lang="de-CH" sz="1100">
+              <a:endParaRPr lang="de-CH" sz="1100" dirty="0">
                 <a:effectLst/>
                 <a:latin typeface="Calibri" panose="020F0502020204030204" pitchFamily="34" charset="0"/>
                 <a:ea typeface="Calibri" panose="020F0502020204030204" pitchFamily="34" charset="0"/>
@@ -6235,7 +6245,7 @@
                 </a:spcAft>
               </a:pPr>
               <a:r>
-                <a:rPr lang="de-CH" sz="1200" b="1">
+                <a:rPr lang="de-CH" sz="1200" b="1" dirty="0">
                   <a:effectLst/>
                   <a:latin typeface="Calibri" panose="020F0502020204030204" pitchFamily="34" charset="0"/>
                   <a:ea typeface="Calibri" panose="020F0502020204030204" pitchFamily="34" charset="0"/>
@@ -6243,7 +6253,7 @@
                 </a:rPr>
                 <a:t> </a:t>
               </a:r>
-              <a:endParaRPr lang="de-CH" sz="1100">
+              <a:endParaRPr lang="de-CH" sz="1100" dirty="0">
                 <a:effectLst/>
                 <a:latin typeface="Calibri" panose="020F0502020204030204" pitchFamily="34" charset="0"/>
                 <a:ea typeface="Calibri" panose="020F0502020204030204" pitchFamily="34" charset="0"/>
@@ -6260,7 +6270,7 @@
                 </a:spcAft>
               </a:pPr>
               <a:r>
-                <a:rPr lang="de-CH" sz="1200" b="1">
+                <a:rPr lang="de-CH" sz="1200" b="1" dirty="0">
                   <a:effectLst/>
                   <a:latin typeface="Calibri" panose="020F0502020204030204" pitchFamily="34" charset="0"/>
                   <a:ea typeface="Calibri" panose="020F0502020204030204" pitchFamily="34" charset="0"/>
@@ -6268,7 +6278,7 @@
                 </a:rPr>
                 <a:t> </a:t>
               </a:r>
-              <a:endParaRPr lang="de-CH" sz="1100">
+              <a:endParaRPr lang="de-CH" sz="1100" dirty="0">
                 <a:effectLst/>
                 <a:latin typeface="Calibri" panose="020F0502020204030204" pitchFamily="34" charset="0"/>
                 <a:ea typeface="Calibri" panose="020F0502020204030204" pitchFamily="34" charset="0"/>
@@ -6285,7 +6295,7 @@
                 </a:spcAft>
               </a:pPr>
               <a:r>
-                <a:rPr lang="de-CH" sz="1200" b="1">
+                <a:rPr lang="de-CH" sz="1200" b="1" dirty="0" err="1">
                   <a:effectLst/>
                   <a:latin typeface="Calibri" panose="020F0502020204030204" pitchFamily="34" charset="0"/>
                   <a:ea typeface="Calibri" panose="020F0502020204030204" pitchFamily="34" charset="0"/>
@@ -6293,7 +6303,7 @@
                 </a:rPr>
                 <a:t>PatientInfo</a:t>
               </a:r>
-              <a:endParaRPr lang="de-CH" sz="1100">
+              <a:endParaRPr lang="de-CH" sz="1100" dirty="0">
                 <a:effectLst/>
                 <a:latin typeface="Calibri" panose="020F0502020204030204" pitchFamily="34" charset="0"/>
                 <a:ea typeface="Calibri" panose="020F0502020204030204" pitchFamily="34" charset="0"/>
@@ -6310,7 +6320,7 @@
                 </a:spcAft>
               </a:pPr>
               <a:r>
-                <a:rPr lang="de-CH" sz="1200" b="1">
+                <a:rPr lang="de-CH" sz="1200" b="1" dirty="0">
                   <a:effectLst/>
                   <a:latin typeface="Calibri" panose="020F0502020204030204" pitchFamily="34" charset="0"/>
                   <a:ea typeface="Calibri" panose="020F0502020204030204" pitchFamily="34" charset="0"/>
@@ -6318,7 +6328,7 @@
                 </a:rPr>
                 <a:t>Treatment</a:t>
               </a:r>
-              <a:endParaRPr lang="de-CH" sz="1100">
+              <a:endParaRPr lang="de-CH" sz="1100" dirty="0">
                 <a:effectLst/>
                 <a:latin typeface="Calibri" panose="020F0502020204030204" pitchFamily="34" charset="0"/>
                 <a:ea typeface="Calibri" panose="020F0502020204030204" pitchFamily="34" charset="0"/>
@@ -6335,7 +6345,7 @@
                 </a:spcAft>
               </a:pPr>
               <a:r>
-                <a:rPr lang="de-CH" sz="1200" b="1">
+                <a:rPr lang="de-CH" sz="1200" b="1" dirty="0">
                   <a:effectLst/>
                   <a:latin typeface="Calibri" panose="020F0502020204030204" pitchFamily="34" charset="0"/>
                   <a:ea typeface="Calibri" panose="020F0502020204030204" pitchFamily="34" charset="0"/>
@@ -6343,7 +6353,7 @@
                 </a:rPr>
                 <a:t>Message</a:t>
               </a:r>
-              <a:endParaRPr lang="de-CH" sz="1100">
+              <a:endParaRPr lang="de-CH" sz="1100" dirty="0">
                 <a:effectLst/>
                 <a:latin typeface="Calibri" panose="020F0502020204030204" pitchFamily="34" charset="0"/>
                 <a:ea typeface="Calibri" panose="020F0502020204030204" pitchFamily="34" charset="0"/>
@@ -6360,7 +6370,7 @@
                 </a:spcAft>
               </a:pPr>
               <a:r>
-                <a:rPr lang="de-CH" sz="1200" b="1">
+                <a:rPr lang="de-CH" sz="1200" b="1" dirty="0">
                   <a:effectLst/>
                   <a:latin typeface="Calibri" panose="020F0502020204030204" pitchFamily="34" charset="0"/>
                   <a:ea typeface="Calibri" panose="020F0502020204030204" pitchFamily="34" charset="0"/>
@@ -6368,7 +6378,7 @@
                 </a:rPr>
                 <a:t>Case</a:t>
               </a:r>
-              <a:endParaRPr lang="de-CH" sz="1100">
+              <a:endParaRPr lang="de-CH" sz="1100" dirty="0">
                 <a:effectLst/>
                 <a:latin typeface="Calibri" panose="020F0502020204030204" pitchFamily="34" charset="0"/>
                 <a:ea typeface="Calibri" panose="020F0502020204030204" pitchFamily="34" charset="0"/>
@@ -6385,7 +6395,7 @@
                 </a:spcAft>
               </a:pPr>
               <a:r>
-                <a:rPr lang="de-CH" sz="1200" b="1">
+                <a:rPr lang="de-CH" sz="1200" b="1" dirty="0">
                   <a:effectLst/>
                   <a:latin typeface="Calibri" panose="020F0502020204030204" pitchFamily="34" charset="0"/>
                   <a:ea typeface="Calibri" panose="020F0502020204030204" pitchFamily="34" charset="0"/>
@@ -6393,7 +6403,7 @@
                 </a:rPr>
                 <a:t> </a:t>
               </a:r>
-              <a:endParaRPr lang="de-CH" sz="1100">
+              <a:endParaRPr lang="de-CH" sz="1100" dirty="0">
                 <a:effectLst/>
                 <a:latin typeface="Calibri" panose="020F0502020204030204" pitchFamily="34" charset="0"/>
                 <a:ea typeface="Calibri" panose="020F0502020204030204" pitchFamily="34" charset="0"/>
@@ -6410,7 +6420,7 @@
                 </a:spcAft>
               </a:pPr>
               <a:r>
-                <a:rPr lang="de-CH" sz="1200" b="1">
+                <a:rPr lang="de-CH" sz="1200" b="1" dirty="0">
                   <a:effectLst/>
                   <a:latin typeface="Calibri" panose="020F0502020204030204" pitchFamily="34" charset="0"/>
                   <a:ea typeface="Calibri" panose="020F0502020204030204" pitchFamily="34" charset="0"/>
@@ -6418,7 +6428,7 @@
                 </a:rPr>
                 <a:t> </a:t>
               </a:r>
-              <a:endParaRPr lang="de-CH" sz="1100">
+              <a:endParaRPr lang="de-CH" sz="1100" dirty="0">
                 <a:effectLst/>
                 <a:latin typeface="Calibri" panose="020F0502020204030204" pitchFamily="34" charset="0"/>
                 <a:ea typeface="Calibri" panose="020F0502020204030204" pitchFamily="34" charset="0"/>
@@ -6435,7 +6445,7 @@
                 </a:spcAft>
               </a:pPr>
               <a:r>
-                <a:rPr lang="de-CH" sz="1200" b="1">
+                <a:rPr lang="de-CH" sz="1200" b="1" dirty="0">
                   <a:effectLst/>
                   <a:latin typeface="Calibri" panose="020F0502020204030204" pitchFamily="34" charset="0"/>
                   <a:ea typeface="Calibri" panose="020F0502020204030204" pitchFamily="34" charset="0"/>
@@ -6443,7 +6453,7 @@
                 </a:rPr>
                 <a:t> </a:t>
               </a:r>
-              <a:endParaRPr lang="de-CH" sz="1100">
+              <a:endParaRPr lang="de-CH" sz="1100" dirty="0">
                 <a:effectLst/>
                 <a:latin typeface="Calibri" panose="020F0502020204030204" pitchFamily="34" charset="0"/>
                 <a:ea typeface="Calibri" panose="020F0502020204030204" pitchFamily="34" charset="0"/>
@@ -6460,7 +6470,7 @@
                 </a:spcAft>
               </a:pPr>
               <a:r>
-                <a:rPr lang="de-CH" sz="1200" b="1">
+                <a:rPr lang="de-CH" sz="1200" b="1" dirty="0">
                   <a:effectLst/>
                   <a:latin typeface="Calibri" panose="020F0502020204030204" pitchFamily="34" charset="0"/>
                   <a:ea typeface="Calibri" panose="020F0502020204030204" pitchFamily="34" charset="0"/>
@@ -6468,7 +6478,7 @@
                 </a:rPr>
                 <a:t> </a:t>
               </a:r>
-              <a:endParaRPr lang="de-CH" sz="1100">
+              <a:endParaRPr lang="de-CH" sz="1100" dirty="0">
                 <a:effectLst/>
                 <a:latin typeface="Calibri" panose="020F0502020204030204" pitchFamily="34" charset="0"/>
                 <a:ea typeface="Calibri" panose="020F0502020204030204" pitchFamily="34" charset="0"/>
@@ -6485,7 +6495,7 @@
                 </a:spcAft>
               </a:pPr>
               <a:r>
-                <a:rPr lang="de-CH" sz="1200" b="1">
+                <a:rPr lang="de-CH" sz="1200" b="1" dirty="0">
                   <a:effectLst/>
                   <a:latin typeface="Calibri" panose="020F0502020204030204" pitchFamily="34" charset="0"/>
                   <a:ea typeface="Calibri" panose="020F0502020204030204" pitchFamily="34" charset="0"/>
@@ -6493,7 +6503,7 @@
                 </a:rPr>
                 <a:t> </a:t>
               </a:r>
-              <a:endParaRPr lang="de-CH" sz="1100">
+              <a:endParaRPr lang="de-CH" sz="1100" dirty="0">
                 <a:effectLst/>
                 <a:latin typeface="Calibri" panose="020F0502020204030204" pitchFamily="34" charset="0"/>
                 <a:ea typeface="Calibri" panose="020F0502020204030204" pitchFamily="34" charset="0"/>
@@ -6510,7 +6520,7 @@
                 </a:spcAft>
               </a:pPr>
               <a:r>
-                <a:rPr lang="de-CH" sz="1200" b="1">
+                <a:rPr lang="de-CH" sz="1200" b="1" dirty="0">
                   <a:effectLst/>
                   <a:latin typeface="Calibri" panose="020F0502020204030204" pitchFamily="34" charset="0"/>
                   <a:ea typeface="Calibri" panose="020F0502020204030204" pitchFamily="34" charset="0"/>
@@ -6518,7 +6528,7 @@
                 </a:rPr>
                 <a:t> </a:t>
               </a:r>
-              <a:endParaRPr lang="de-CH" sz="1100">
+              <a:endParaRPr lang="de-CH" sz="1100" dirty="0">
                 <a:effectLst/>
                 <a:latin typeface="Calibri" panose="020F0502020204030204" pitchFamily="34" charset="0"/>
                 <a:ea typeface="Calibri" panose="020F0502020204030204" pitchFamily="34" charset="0"/>
@@ -6535,7 +6545,7 @@
                 </a:spcAft>
               </a:pPr>
               <a:r>
-                <a:rPr lang="de-CH" sz="1200" b="1">
+                <a:rPr lang="de-CH" sz="1200" b="1" dirty="0">
                   <a:effectLst/>
                   <a:latin typeface="Calibri" panose="020F0502020204030204" pitchFamily="34" charset="0"/>
                   <a:ea typeface="Calibri" panose="020F0502020204030204" pitchFamily="34" charset="0"/>
@@ -6543,7 +6553,7 @@
                 </a:rPr>
                 <a:t> </a:t>
               </a:r>
-              <a:endParaRPr lang="de-CH" sz="1100">
+              <a:endParaRPr lang="de-CH" sz="1100" dirty="0">
                 <a:effectLst/>
                 <a:latin typeface="Calibri" panose="020F0502020204030204" pitchFamily="34" charset="0"/>
                 <a:ea typeface="Calibri" panose="020F0502020204030204" pitchFamily="34" charset="0"/>
@@ -6560,7 +6570,7 @@
                 </a:spcAft>
               </a:pPr>
               <a:r>
-                <a:rPr lang="de-CH" sz="1200" b="1">
+                <a:rPr lang="de-CH" sz="1200" b="1" dirty="0">
                   <a:effectLst/>
                   <a:latin typeface="Calibri" panose="020F0502020204030204" pitchFamily="34" charset="0"/>
                   <a:ea typeface="Calibri" panose="020F0502020204030204" pitchFamily="34" charset="0"/>
@@ -6568,7 +6578,7 @@
                 </a:rPr>
                 <a:t> </a:t>
               </a:r>
-              <a:endParaRPr lang="de-CH" sz="1100">
+              <a:endParaRPr lang="de-CH" sz="1100" dirty="0">
                 <a:effectLst/>
                 <a:latin typeface="Calibri" panose="020F0502020204030204" pitchFamily="34" charset="0"/>
                 <a:ea typeface="Calibri" panose="020F0502020204030204" pitchFamily="34" charset="0"/>
@@ -6585,7 +6595,7 @@
                 </a:spcAft>
               </a:pPr>
               <a:r>
-                <a:rPr lang="de-CH" sz="1200" b="1">
+                <a:rPr lang="de-CH" sz="1200" b="1" dirty="0">
                   <a:effectLst/>
                   <a:latin typeface="Calibri" panose="020F0502020204030204" pitchFamily="34" charset="0"/>
                   <a:ea typeface="Calibri" panose="020F0502020204030204" pitchFamily="34" charset="0"/>
@@ -6593,7 +6603,7 @@
                 </a:rPr>
                 <a:t> </a:t>
               </a:r>
-              <a:endParaRPr lang="de-CH" sz="1100">
+              <a:endParaRPr lang="de-CH" sz="1100" dirty="0">
                 <a:effectLst/>
                 <a:latin typeface="Calibri" panose="020F0502020204030204" pitchFamily="34" charset="0"/>
                 <a:ea typeface="Calibri" panose="020F0502020204030204" pitchFamily="34" charset="0"/>
@@ -6648,7 +6658,7 @@
                 </a:spcAft>
               </a:pPr>
               <a:r>
-                <a:rPr lang="de-CH" sz="1200" b="1">
+                <a:rPr lang="de-CH" sz="1200" b="1" dirty="0">
                   <a:effectLst/>
                   <a:latin typeface="Calibri" panose="020F0502020204030204" pitchFamily="34" charset="0"/>
                   <a:ea typeface="Calibri" panose="020F0502020204030204" pitchFamily="34" charset="0"/>
@@ -6656,7 +6666,7 @@
                 </a:rPr>
                 <a:t>VIEW</a:t>
               </a:r>
-              <a:endParaRPr lang="de-CH" sz="1100">
+              <a:endParaRPr lang="de-CH" sz="1100" dirty="0">
                 <a:effectLst/>
                 <a:latin typeface="Calibri" panose="020F0502020204030204" pitchFamily="34" charset="0"/>
                 <a:ea typeface="Calibri" panose="020F0502020204030204" pitchFamily="34" charset="0"/>
@@ -6673,7 +6683,7 @@
                 </a:spcAft>
               </a:pPr>
               <a:r>
-                <a:rPr lang="de-CH" sz="1200" b="1">
+                <a:rPr lang="de-CH" sz="1200" b="1" dirty="0">
                   <a:effectLst/>
                   <a:latin typeface="Calibri" panose="020F0502020204030204" pitchFamily="34" charset="0"/>
                   <a:ea typeface="Calibri" panose="020F0502020204030204" pitchFamily="34" charset="0"/>
@@ -6681,7 +6691,7 @@
                 </a:rPr>
                 <a:t> </a:t>
               </a:r>
-              <a:endParaRPr lang="de-CH" sz="1100">
+              <a:endParaRPr lang="de-CH" sz="1100" dirty="0">
                 <a:effectLst/>
                 <a:latin typeface="Calibri" panose="020F0502020204030204" pitchFamily="34" charset="0"/>
                 <a:ea typeface="Calibri" panose="020F0502020204030204" pitchFamily="34" charset="0"/>
@@ -6698,7 +6708,7 @@
                 </a:spcAft>
               </a:pPr>
               <a:r>
-                <a:rPr lang="de-CH" sz="1200" b="1">
+                <a:rPr lang="de-CH" sz="1200" b="1" dirty="0">
                   <a:effectLst/>
                   <a:latin typeface="Calibri" panose="020F0502020204030204" pitchFamily="34" charset="0"/>
                   <a:ea typeface="Calibri" panose="020F0502020204030204" pitchFamily="34" charset="0"/>
@@ -6706,7 +6716,7 @@
                 </a:rPr>
                 <a:t> </a:t>
               </a:r>
-              <a:endParaRPr lang="de-CH" sz="1100">
+              <a:endParaRPr lang="de-CH" sz="1100" dirty="0">
                 <a:effectLst/>
                 <a:latin typeface="Calibri" panose="020F0502020204030204" pitchFamily="34" charset="0"/>
                 <a:ea typeface="Calibri" panose="020F0502020204030204" pitchFamily="34" charset="0"/>
@@ -6723,7 +6733,7 @@
                 </a:spcAft>
               </a:pPr>
               <a:r>
-                <a:rPr lang="de-CH" sz="1200" b="1">
+                <a:rPr lang="de-CH" sz="1200" b="1" dirty="0">
                   <a:effectLst/>
                   <a:latin typeface="Calibri" panose="020F0502020204030204" pitchFamily="34" charset="0"/>
                   <a:ea typeface="Calibri" panose="020F0502020204030204" pitchFamily="34" charset="0"/>
@@ -6731,7 +6741,7 @@
                 </a:rPr>
                 <a:t> </a:t>
               </a:r>
-              <a:endParaRPr lang="de-CH" sz="1100">
+              <a:endParaRPr lang="de-CH" sz="1100" dirty="0">
                 <a:effectLst/>
                 <a:latin typeface="Calibri" panose="020F0502020204030204" pitchFamily="34" charset="0"/>
                 <a:ea typeface="Calibri" panose="020F0502020204030204" pitchFamily="34" charset="0"/>
@@ -6748,7 +6758,7 @@
                 </a:spcAft>
               </a:pPr>
               <a:r>
-                <a:rPr lang="de-CH" sz="1200" b="1">
+                <a:rPr lang="de-CH" sz="1200" b="1" dirty="0">
                   <a:effectLst/>
                   <a:latin typeface="Calibri" panose="020F0502020204030204" pitchFamily="34" charset="0"/>
                   <a:ea typeface="Calibri" panose="020F0502020204030204" pitchFamily="34" charset="0"/>
@@ -6756,7 +6766,7 @@
                 </a:rPr>
                 <a:t> </a:t>
               </a:r>
-              <a:endParaRPr lang="de-CH" sz="1100">
+              <a:endParaRPr lang="de-CH" sz="1100" dirty="0">
                 <a:effectLst/>
                 <a:latin typeface="Calibri" panose="020F0502020204030204" pitchFamily="34" charset="0"/>
                 <a:ea typeface="Calibri" panose="020F0502020204030204" pitchFamily="34" charset="0"/>
@@ -6773,7 +6783,7 @@
                 </a:spcAft>
               </a:pPr>
               <a:r>
-                <a:rPr lang="de-CH" sz="1200" b="1">
+                <a:rPr lang="de-CH" sz="1200" b="1" dirty="0">
                   <a:effectLst/>
                   <a:latin typeface="Calibri" panose="020F0502020204030204" pitchFamily="34" charset="0"/>
                   <a:ea typeface="Calibri" panose="020F0502020204030204" pitchFamily="34" charset="0"/>
@@ -6781,7 +6791,7 @@
                 </a:rPr>
                 <a:t> </a:t>
               </a:r>
-              <a:endParaRPr lang="de-CH" sz="1100">
+              <a:endParaRPr lang="de-CH" sz="1100" dirty="0">
                 <a:effectLst/>
                 <a:latin typeface="Calibri" panose="020F0502020204030204" pitchFamily="34" charset="0"/>
                 <a:ea typeface="Calibri" panose="020F0502020204030204" pitchFamily="34" charset="0"/>
@@ -6798,7 +6808,7 @@
                 </a:spcAft>
               </a:pPr>
               <a:r>
-                <a:rPr lang="de-CH" sz="1200" b="1">
+                <a:rPr lang="de-CH" sz="1200" b="1" dirty="0">
                   <a:effectLst/>
                   <a:latin typeface="Calibri" panose="020F0502020204030204" pitchFamily="34" charset="0"/>
                   <a:ea typeface="Calibri" panose="020F0502020204030204" pitchFamily="34" charset="0"/>
@@ -6806,7 +6816,7 @@
                 </a:rPr>
                 <a:t> </a:t>
               </a:r>
-              <a:endParaRPr lang="de-CH" sz="1100">
+              <a:endParaRPr lang="de-CH" sz="1100" dirty="0">
                 <a:effectLst/>
                 <a:latin typeface="Calibri" panose="020F0502020204030204" pitchFamily="34" charset="0"/>
                 <a:ea typeface="Calibri" panose="020F0502020204030204" pitchFamily="34" charset="0"/>
@@ -6823,7 +6833,7 @@
                 </a:spcAft>
               </a:pPr>
               <a:r>
-                <a:rPr lang="de-CH" sz="1200" b="1">
+                <a:rPr lang="de-CH" sz="1200" b="1" dirty="0" err="1">
                   <a:effectLst/>
                   <a:latin typeface="Calibri" panose="020F0502020204030204" pitchFamily="34" charset="0"/>
                   <a:ea typeface="Calibri" panose="020F0502020204030204" pitchFamily="34" charset="0"/>
@@ -6831,7 +6841,7 @@
                 </a:rPr>
                 <a:t>PatientInfo</a:t>
               </a:r>
-              <a:endParaRPr lang="de-CH" sz="1100">
+              <a:endParaRPr lang="de-CH" sz="1100" dirty="0">
                 <a:effectLst/>
                 <a:latin typeface="Calibri" panose="020F0502020204030204" pitchFamily="34" charset="0"/>
                 <a:ea typeface="Calibri" panose="020F0502020204030204" pitchFamily="34" charset="0"/>
@@ -6848,7 +6858,7 @@
                 </a:spcAft>
               </a:pPr>
               <a:r>
-                <a:rPr lang="de-CH" sz="1200" b="1">
+                <a:rPr lang="de-CH" sz="1200" b="1" dirty="0">
                   <a:effectLst/>
                   <a:latin typeface="Calibri" panose="020F0502020204030204" pitchFamily="34" charset="0"/>
                   <a:ea typeface="Calibri" panose="020F0502020204030204" pitchFamily="34" charset="0"/>
@@ -6856,7 +6866,7 @@
                 </a:rPr>
                 <a:t>Treatment</a:t>
               </a:r>
-              <a:endParaRPr lang="de-CH" sz="1100">
+              <a:endParaRPr lang="de-CH" sz="1100" dirty="0">
                 <a:effectLst/>
                 <a:latin typeface="Calibri" panose="020F0502020204030204" pitchFamily="34" charset="0"/>
                 <a:ea typeface="Calibri" panose="020F0502020204030204" pitchFamily="34" charset="0"/>
@@ -6873,7 +6883,7 @@
                 </a:spcAft>
               </a:pPr>
               <a:r>
-                <a:rPr lang="de-CH" sz="1200" b="1">
+                <a:rPr lang="de-CH" sz="1200" b="1" dirty="0">
                   <a:effectLst/>
                   <a:latin typeface="Calibri" panose="020F0502020204030204" pitchFamily="34" charset="0"/>
                   <a:ea typeface="Calibri" panose="020F0502020204030204" pitchFamily="34" charset="0"/>
@@ -6881,7 +6891,7 @@
                 </a:rPr>
                 <a:t>Message</a:t>
               </a:r>
-              <a:endParaRPr lang="de-CH" sz="1100">
+              <a:endParaRPr lang="de-CH" sz="1100" dirty="0">
                 <a:effectLst/>
                 <a:latin typeface="Calibri" panose="020F0502020204030204" pitchFamily="34" charset="0"/>
                 <a:ea typeface="Calibri" panose="020F0502020204030204" pitchFamily="34" charset="0"/>
@@ -6898,7 +6908,7 @@
                 </a:spcAft>
               </a:pPr>
               <a:r>
-                <a:rPr lang="de-CH" sz="1200" b="1">
+                <a:rPr lang="de-CH" sz="1200" b="1" dirty="0">
                   <a:effectLst/>
                   <a:latin typeface="Calibri" panose="020F0502020204030204" pitchFamily="34" charset="0"/>
                   <a:ea typeface="Calibri" panose="020F0502020204030204" pitchFamily="34" charset="0"/>
@@ -6906,7 +6916,7 @@
                 </a:rPr>
                 <a:t>Case</a:t>
               </a:r>
-              <a:endParaRPr lang="de-CH" sz="1100">
+              <a:endParaRPr lang="de-CH" sz="1100" dirty="0">
                 <a:effectLst/>
                 <a:latin typeface="Calibri" panose="020F0502020204030204" pitchFamily="34" charset="0"/>
                 <a:ea typeface="Calibri" panose="020F0502020204030204" pitchFamily="34" charset="0"/>
@@ -6923,7 +6933,7 @@
                 </a:spcAft>
               </a:pPr>
               <a:r>
-                <a:rPr lang="de-CH" sz="1200" b="1">
+                <a:rPr lang="de-CH" sz="1200" b="1" dirty="0">
                   <a:effectLst/>
                   <a:latin typeface="Calibri" panose="020F0502020204030204" pitchFamily="34" charset="0"/>
                   <a:ea typeface="Calibri" panose="020F0502020204030204" pitchFamily="34" charset="0"/>
@@ -6931,7 +6941,7 @@
                 </a:rPr>
                 <a:t> </a:t>
               </a:r>
-              <a:endParaRPr lang="de-CH" sz="1100">
+              <a:endParaRPr lang="de-CH" sz="1100" dirty="0">
                 <a:effectLst/>
                 <a:latin typeface="Calibri" panose="020F0502020204030204" pitchFamily="34" charset="0"/>
                 <a:ea typeface="Calibri" panose="020F0502020204030204" pitchFamily="34" charset="0"/>
@@ -6948,7 +6958,7 @@
                 </a:spcAft>
               </a:pPr>
               <a:r>
-                <a:rPr lang="de-CH" sz="1200" b="1">
+                <a:rPr lang="de-CH" sz="1200" b="1" dirty="0" err="1">
                   <a:effectLst/>
                   <a:latin typeface="Calibri" panose="020F0502020204030204" pitchFamily="34" charset="0"/>
                   <a:ea typeface="Calibri" panose="020F0502020204030204" pitchFamily="34" charset="0"/>
@@ -6956,7 +6966,7 @@
                 </a:rPr>
                 <a:t>UserInterface</a:t>
               </a:r>
-              <a:endParaRPr lang="de-CH" sz="1100">
+              <a:endParaRPr lang="de-CH" sz="1100" dirty="0">
                 <a:effectLst/>
                 <a:latin typeface="Calibri" panose="020F0502020204030204" pitchFamily="34" charset="0"/>
                 <a:ea typeface="Calibri" panose="020F0502020204030204" pitchFamily="34" charset="0"/>
@@ -6973,7 +6983,7 @@
                 </a:spcAft>
               </a:pPr>
               <a:r>
-                <a:rPr lang="de-CH" sz="1200" b="1">
+                <a:rPr lang="de-CH" sz="1200" b="1" dirty="0" err="1">
                   <a:effectLst/>
                   <a:latin typeface="Calibri" panose="020F0502020204030204" pitchFamily="34" charset="0"/>
                   <a:ea typeface="Calibri" panose="020F0502020204030204" pitchFamily="34" charset="0"/>
@@ -6981,7 +6991,7 @@
                 </a:rPr>
                 <a:t>Vaadin</a:t>
               </a:r>
-              <a:endParaRPr lang="de-CH" sz="1100">
+              <a:endParaRPr lang="de-CH" sz="1100" dirty="0">
                 <a:effectLst/>
                 <a:latin typeface="Calibri" panose="020F0502020204030204" pitchFamily="34" charset="0"/>
                 <a:ea typeface="Calibri" panose="020F0502020204030204" pitchFamily="34" charset="0"/>
@@ -6998,7 +7008,7 @@
                 </a:spcAft>
               </a:pPr>
               <a:r>
-                <a:rPr lang="de-CH" sz="1200" b="1">
+                <a:rPr lang="de-CH" sz="1200" b="1" dirty="0">
                   <a:effectLst/>
                   <a:latin typeface="Calibri" panose="020F0502020204030204" pitchFamily="34" charset="0"/>
                   <a:ea typeface="Calibri" panose="020F0502020204030204" pitchFamily="34" charset="0"/>
@@ -7006,7 +7016,7 @@
                 </a:rPr>
                 <a:t> </a:t>
               </a:r>
-              <a:endParaRPr lang="de-CH" sz="1100">
+              <a:endParaRPr lang="de-CH" sz="1100" dirty="0">
                 <a:effectLst/>
                 <a:latin typeface="Calibri" panose="020F0502020204030204" pitchFamily="34" charset="0"/>
                 <a:ea typeface="Calibri" panose="020F0502020204030204" pitchFamily="34" charset="0"/>
@@ -7023,7 +7033,7 @@
                 </a:spcAft>
               </a:pPr>
               <a:r>
-                <a:rPr lang="de-CH" sz="1200" b="1">
+                <a:rPr lang="de-CH" sz="1200" b="1" dirty="0">
                   <a:effectLst/>
                   <a:latin typeface="Calibri" panose="020F0502020204030204" pitchFamily="34" charset="0"/>
                   <a:ea typeface="Calibri" panose="020F0502020204030204" pitchFamily="34" charset="0"/>
@@ -7031,7 +7041,7 @@
                 </a:rPr>
                 <a:t> </a:t>
               </a:r>
-              <a:endParaRPr lang="de-CH" sz="1100">
+              <a:endParaRPr lang="de-CH" sz="1100" dirty="0">
                 <a:effectLst/>
                 <a:latin typeface="Calibri" panose="020F0502020204030204" pitchFamily="34" charset="0"/>
                 <a:ea typeface="Calibri" panose="020F0502020204030204" pitchFamily="34" charset="0"/>
@@ -7048,7 +7058,7 @@
                 </a:spcAft>
               </a:pPr>
               <a:r>
-                <a:rPr lang="de-CH" sz="1200" b="1">
+                <a:rPr lang="de-CH" sz="1200" b="1" dirty="0">
                   <a:effectLst/>
                   <a:latin typeface="Calibri" panose="020F0502020204030204" pitchFamily="34" charset="0"/>
                   <a:ea typeface="Calibri" panose="020F0502020204030204" pitchFamily="34" charset="0"/>
@@ -7056,7 +7066,16 @@
                 </a:rPr>
                 <a:t> </a:t>
               </a:r>
-              <a:endParaRPr lang="de-CH" sz="1100">
+              <a:r>
+                <a:rPr lang="de-CH" sz="1200" b="1" dirty="0" smtClean="0">
+                  <a:effectLst/>
+                  <a:latin typeface="Calibri" panose="020F0502020204030204" pitchFamily="34" charset="0"/>
+                  <a:ea typeface="Calibri" panose="020F0502020204030204" pitchFamily="34" charset="0"/>
+                  <a:cs typeface="Times New Roman" panose="02020603050405020304" pitchFamily="18" charset="0"/>
+                </a:rPr>
+                <a:t>Output</a:t>
+              </a:r>
+              <a:endParaRPr lang="de-CH" sz="1100" dirty="0">
                 <a:effectLst/>
                 <a:latin typeface="Calibri" panose="020F0502020204030204" pitchFamily="34" charset="0"/>
                 <a:ea typeface="Calibri" panose="020F0502020204030204" pitchFamily="34" charset="0"/>
@@ -7073,32 +7092,7 @@
                 </a:spcAft>
               </a:pPr>
               <a:r>
-                <a:rPr lang="de-CH" sz="1200" b="1">
-                  <a:effectLst/>
-                  <a:latin typeface="Calibri" panose="020F0502020204030204" pitchFamily="34" charset="0"/>
-                  <a:ea typeface="Calibri" panose="020F0502020204030204" pitchFamily="34" charset="0"/>
-                  <a:cs typeface="Times New Roman" panose="02020603050405020304" pitchFamily="18" charset="0"/>
-                </a:rPr>
-                <a:t>Output</a:t>
-              </a:r>
-              <a:endParaRPr lang="de-CH" sz="1100">
-                <a:effectLst/>
-                <a:latin typeface="Calibri" panose="020F0502020204030204" pitchFamily="34" charset="0"/>
-                <a:ea typeface="Calibri" panose="020F0502020204030204" pitchFamily="34" charset="0"/>
-                <a:cs typeface="Times New Roman" panose="02020603050405020304" pitchFamily="18" charset="0"/>
-              </a:endParaRPr>
-            </a:p>
-            <a:p>
-              <a:pPr>
-                <a:lnSpc>
-                  <a:spcPct val="107000"/>
-                </a:lnSpc>
-                <a:spcAft>
-                  <a:spcPts val="800"/>
-                </a:spcAft>
-              </a:pPr>
-              <a:r>
-                <a:rPr lang="de-CH" sz="1200" b="1">
+                <a:rPr lang="de-CH" sz="1200" b="1" dirty="0">
                   <a:effectLst/>
                   <a:latin typeface="Calibri" panose="020F0502020204030204" pitchFamily="34" charset="0"/>
                   <a:ea typeface="Calibri" panose="020F0502020204030204" pitchFamily="34" charset="0"/>
@@ -7106,7 +7100,7 @@
                 </a:rPr>
                 <a:t> </a:t>
               </a:r>
-              <a:endParaRPr lang="de-CH" sz="1100">
+              <a:endParaRPr lang="de-CH" sz="1100" dirty="0">
                 <a:effectLst/>
                 <a:latin typeface="Calibri" panose="020F0502020204030204" pitchFamily="34" charset="0"/>
                 <a:ea typeface="Calibri" panose="020F0502020204030204" pitchFamily="34" charset="0"/>
@@ -7758,7 +7752,7 @@
           <p:spPr>
             <a:xfrm>
               <a:off x="3115340" y="4253024"/>
-              <a:ext cx="0" cy="956930"/>
+              <a:ext cx="4541" cy="782026"/>
             </a:xfrm>
             <a:prstGeom prst="straightConnector1">
               <a:avLst/>
@@ -7794,7 +7788,7 @@
           <p:spPr>
             <a:xfrm>
               <a:off x="4019107" y="1541721"/>
-              <a:ext cx="893135" cy="1733107"/>
+              <a:ext cx="893135" cy="1998920"/>
             </a:xfrm>
             <a:prstGeom prst="rect">
               <a:avLst/>
@@ -7848,7 +7842,7 @@
           <p:spPr>
             <a:xfrm>
               <a:off x="2711303" y="2094614"/>
-              <a:ext cx="967562" cy="2137145"/>
+              <a:ext cx="967562" cy="2302967"/>
             </a:xfrm>
             <a:prstGeom prst="rect">
               <a:avLst/>
@@ -7901,8 +7895,8 @@
           </p:nvSpPr>
           <p:spPr>
             <a:xfrm>
-              <a:off x="1488558" y="1509824"/>
-              <a:ext cx="829369" cy="1307804"/>
+              <a:off x="1425133" y="1509824"/>
+              <a:ext cx="892796" cy="1307804"/>
             </a:xfrm>
             <a:prstGeom prst="rect">
               <a:avLst/>
@@ -7955,7 +7949,7 @@
           </p:nvCxnSpPr>
           <p:spPr>
             <a:xfrm flipH="1">
-              <a:off x="1169582" y="5263117"/>
+              <a:off x="1169583" y="5182419"/>
               <a:ext cx="1541721" cy="202018"/>
             </a:xfrm>
             <a:prstGeom prst="straightConnector1">
@@ -8223,7 +8217,7 @@
                   <a:srgbClr val="00B050"/>
                 </a:solidFill>
               </a:rPr>
-              <a:t>7</a:t>
+              <a:t>5</a:t>
             </a:r>
             <a:r>
               <a:rPr lang="de-DE" b="1" dirty="0" smtClean="0">
